--- a/cmsc125/ostep/slides/01.Virtualization/14.Memory_API.pptx
+++ b/cmsc125/ostep/slides/01.Virtualization/14.Memory_API.pptx
@@ -260,7 +260,7 @@
           <a:p>
             <a:fld id="{050F0499-AE52-4672-879B-3107B2FC2A9F}" type="datetimeFigureOut">
               <a:rPr lang="ko-KR" altLang="en-US" smtClean="0"/>
-              <a:t>2021-10-15</a:t>
+              <a:t>2021-10-16</a:t>
             </a:fld>
             <a:endParaRPr lang="ko-KR" altLang="en-US"/>
           </a:p>
@@ -6595,9 +6595,9 @@
                 <a:solidFill>
                   <a:prstClr val="black"/>
                 </a:solidFill>
-                <a:latin typeface="맑은 고딕" pitchFamily="50" charset="-127"/>
-                <a:ea typeface="맑은 고딕" pitchFamily="50" charset="-127"/>
-                <a:cs typeface="Courier New" pitchFamily="49" charset="0"/>
+                <a:latin typeface="Arial" panose="020B0604020202020204" pitchFamily="34" charset="0"/>
+                <a:ea typeface="맑은 고딕" pitchFamily="50" charset="-127"/>
+                <a:cs typeface="Arial" panose="020B0604020202020204" pitchFamily="34" charset="0"/>
               </a:rPr>
               <a:t>hello\0</a:t>
             </a:r>
